--- a/UserGuide/User Guide v1.3.pptx
+++ b/UserGuide/User Guide v1.3.pptx
@@ -127,6 +127,11 @@
       </a:defRPr>
     </a:lvl9pPr>
   </p:defaultTextStyle>
+  <p:extLst>
+    <p:ext uri="{EFAFB233-063F-42B5-8137-9DF3F51BA10A}">
+      <p15:sldGuideLst xmlns:p15="http://schemas.microsoft.com/office/powerpoint/2012/main"/>
+    </p:ext>
+  </p:extLst>
 </p:presentation>
 </file>
 
@@ -6476,7 +6481,7 @@
       </p:sp>
       <p:pic>
         <p:nvPicPr>
-          <p:cNvPr id="5" name="">
+          <p:cNvPr id="5" name="Picture 4">
             <a:extLst>
               <a:ext uri="{FF2B5EF4-FFF2-40B4-BE49-F238E27FC236}">
                 <a16:creationId xmlns:a16="http://schemas.microsoft.com/office/drawing/2014/main" id="{BF959601-1BE3-463E-89E8-9C7B2F9E24D6}"/>
@@ -7054,7 +7059,7 @@
           <a:p>
             <a:r>
               <a:rPr lang="en-SG" sz="1600" dirty="0"/>
-              <a:t>Make sure you select the customer, this sales order is to be assigned to. </a:t>
+              <a:t>Make sure you select the customer this sales order is to be assigned to. </a:t>
             </a:r>
           </a:p>
           <a:p>

--- a/UserGuide/User Guide v1.3.pptx
+++ b/UserGuide/User Guide v1.3.pptx
@@ -9664,7 +9664,15 @@
           <a:p>
             <a:r>
               <a:rPr lang="en-SG" sz="1300" dirty="0"/>
-              <a:t>At this stage, the system’s Rules Engine would be fired and checks if the stock’s inventory has sufficient balance quantity to fulfil the quantity ordered for each product line item in the sales order. It will also check is discounts needs to be applied to the sales order and finally, check if the system can automatically approve the confirmed sales order based on the pre-set auto-approval limits of each customer. </a:t>
+              <a:t>At this stage, the system’s Rules Engine would be fired and checks if the stock’s inventory has sufficient balance quantity to fulfil the quantity ordered for each product </a:t>
+            </a:r>
+            <a:r>
+              <a:rPr lang="en-SG" sz="1300"/>
+              <a:t>line items </a:t>
+            </a:r>
+            <a:r>
+              <a:rPr lang="en-SG" sz="1300" dirty="0"/>
+              <a:t>in the sales order. It will also check if discounts needs to be applied to the sales order and finally, check if the system can automatically approve the confirmed sales order based on the pre-set auto-approval limits of each customer. </a:t>
             </a:r>
           </a:p>
           <a:p>

--- a/UserGuide/User Guide v1.3.pptx
+++ b/UserGuide/User Guide v1.3.pptx
@@ -9664,15 +9664,15 @@
           <a:p>
             <a:r>
               <a:rPr lang="en-SG" sz="1300" dirty="0"/>
-              <a:t>At this stage, the system’s Rules Engine would be fired and checks if the stock’s inventory has sufficient balance quantity to fulfil the quantity ordered for each product </a:t>
+              <a:t>At this stage, the system’s Rules Engine would be fired and checks if the stock’s inventory has sufficient balance quantity to fulfil the quantity ordered for each product line items in the sales order. It will also check </a:t>
             </a:r>
             <a:r>
               <a:rPr lang="en-SG" sz="1300"/>
-              <a:t>line items </a:t>
+              <a:t>if any discount </a:t>
             </a:r>
             <a:r>
               <a:rPr lang="en-SG" sz="1300" dirty="0"/>
-              <a:t>in the sales order. It will also check if discounts needs to be applied to the sales order and finally, check if the system can automatically approve the confirmed sales order based on the pre-set auto-approval limits of each customer. </a:t>
+              <a:t>needs to be applied to the sales order and finally, check if the system can automatically approve the confirmed sales order based on the pre-set auto-approval limits of each customer. </a:t>
             </a:r>
           </a:p>
           <a:p>

--- a/UserGuide/User Guide v1.3.pptx
+++ b/UserGuide/User Guide v1.3.pptx
@@ -9664,15 +9664,7 @@
           <a:p>
             <a:r>
               <a:rPr lang="en-SG" sz="1300" dirty="0"/>
-              <a:t>At this stage, the system’s Rules Engine would be fired and checks if the stock’s inventory has sufficient balance quantity to fulfil the quantity ordered for each product line items in the sales order. It will also check </a:t>
-            </a:r>
-            <a:r>
-              <a:rPr lang="en-SG" sz="1300"/>
-              <a:t>if any discount </a:t>
-            </a:r>
-            <a:r>
-              <a:rPr lang="en-SG" sz="1300" dirty="0"/>
-              <a:t>needs to be applied to the sales order and finally, check if the system can automatically approve the confirmed sales order based on the pre-set auto-approval limits of each customer. </a:t>
+              <a:t>At this stage, the system’s Rules Engine would be fired and checks if the stock’s inventory has sufficient balance quantity to fulfil the quantity ordered for each product line items in the sales order. It will also check if any discount needs to be applied to the sales order and finally, check if the system can automatically approve the confirmed sales order based on the pre-set auto-approval limits of each customer. </a:t>
             </a:r>
           </a:p>
           <a:p>
@@ -10418,7 +10410,15 @@
             <a:pPr algn="just"/>
             <a:r>
               <a:rPr lang="en-SG" sz="1400" dirty="0"/>
-              <a:t>A packing team user will need to access that sales order  via the system and update it to the next status of “</a:t>
+              <a:t>A packing team user will need to access the sales order that </a:t>
+            </a:r>
+            <a:r>
+              <a:rPr lang="en-SG" sz="1400"/>
+              <a:t>is approved </a:t>
+            </a:r>
+            <a:r>
+              <a:rPr lang="en-SG" sz="1400" dirty="0"/>
+              <a:t>via the system and update it to the next status of “</a:t>
             </a:r>
             <a:r>
               <a:rPr lang="en-SG" sz="1400" b="1" dirty="0"/>

--- a/UserGuide/User Guide v1.3.pptx
+++ b/UserGuide/User Guide v1.3.pptx
@@ -10410,15 +10410,7 @@
             <a:pPr algn="just"/>
             <a:r>
               <a:rPr lang="en-SG" sz="1400" dirty="0"/>
-              <a:t>A packing team user will need to access the sales order that </a:t>
-            </a:r>
-            <a:r>
-              <a:rPr lang="en-SG" sz="1400"/>
-              <a:t>is approved </a:t>
-            </a:r>
-            <a:r>
-              <a:rPr lang="en-SG" sz="1400" dirty="0"/>
-              <a:t>via the system and update it to the next status of “</a:t>
+              <a:t>A packing team user will need to access the sales order that is approved via the system and update it to the next status of “</a:t>
             </a:r>
             <a:r>
               <a:rPr lang="en-SG" sz="1400" b="1" dirty="0"/>
@@ -11531,7 +11523,7 @@
         <p:spPr>
           <a:xfrm>
             <a:off x="756874" y="1111483"/>
-            <a:ext cx="6645638" cy="3200876"/>
+            <a:ext cx="6645638" cy="2985433"/>
           </a:xfrm>
           <a:prstGeom prst="rect">
             <a:avLst/>
@@ -11589,7 +11581,7 @@
             </a:r>
             <a:r>
               <a:rPr lang="en-SG" sz="1400" dirty="0"/>
-              <a:t>rule executed its logic and cancelled the order and sent out an email to notify the sales and customer service teams. In this example, it is most likely a typing error that was entered into the quantity field. </a:t>
+              <a:t>rule executed its logic and cancelled the order and sent out an email to notify sales and customer service teams. In this example, it is most likely a typing error  on the quantity field. </a:t>
             </a:r>
           </a:p>
           <a:p>

--- a/UserGuide/User Guide v1.3.pptx
+++ b/UserGuide/User Guide v1.3.pptx
@@ -11592,7 +11592,15 @@
             <a:pPr algn="just"/>
             <a:r>
               <a:rPr lang="en-SG" sz="1400" dirty="0"/>
-              <a:t>This is just an example to high light how the rules are working in the system. Without the rules engine, the error could have potentially created unnecessary jobs for the packing team which means lost or revenue for DoReMi.</a:t>
+              <a:t>This is just an example </a:t>
+            </a:r>
+            <a:r>
+              <a:rPr lang="en-SG" sz="1400"/>
+              <a:t>to highlight </a:t>
+            </a:r>
+            <a:r>
+              <a:rPr lang="en-SG" sz="1400" dirty="0"/>
+              <a:t>how the rules are working in the system. Without the rules engine, the error could have potentially created unnecessary jobs for the packing team which means lost of revenue for DoReMi.</a:t>
             </a:r>
           </a:p>
           <a:p>

--- a/UserGuide/User Guide v1.3.pptx
+++ b/UserGuide/User Guide v1.3.pptx
@@ -11592,15 +11592,7 @@
             <a:pPr algn="just"/>
             <a:r>
               <a:rPr lang="en-SG" sz="1400" dirty="0"/>
-              <a:t>This is just an example </a:t>
-            </a:r>
-            <a:r>
-              <a:rPr lang="en-SG" sz="1400"/>
-              <a:t>to highlight </a:t>
-            </a:r>
-            <a:r>
-              <a:rPr lang="en-SG" sz="1400" dirty="0"/>
-              <a:t>how the rules are working in the system. Without the rules engine, the error could have potentially created unnecessary jobs for the packing team which means lost of revenue for DoReMi.</a:t>
+              <a:t>This is just an example to highlight how the rules are working in the system. Without the rules engine, the error could have potentially created unnecessary jobs for the packing team which means lost of revenue for DoReMi.</a:t>
             </a:r>
           </a:p>
           <a:p>
@@ -12066,7 +12058,7 @@
             <a:pPr algn="just"/>
             <a:r>
               <a:rPr lang="en-SG" sz="1300" dirty="0"/>
-              <a:t>This user guide prepared by:   DoReMi’s IT Department (Jerry Jason)</a:t>
+              <a:t>This user guide was prepared by:   DoReMi’s IT Department (Jerry Jason)</a:t>
             </a:r>
           </a:p>
           <a:p>
@@ -12122,7 +12114,15 @@
             <a:pPr algn="just"/>
             <a:r>
               <a:rPr lang="en-SG" sz="1300" dirty="0"/>
-              <a:t>For any enquiries on credit risks issues for cancelled orders, please contact the Account department and look for Jamie Lawson at 451 76420 ext. 106, email: </a:t>
+              <a:t>For any enquiries on credit risks issues for cancelled orders, please contact </a:t>
+            </a:r>
+            <a:r>
+              <a:rPr lang="en-SG" sz="1300"/>
+              <a:t>the Accounts </a:t>
+            </a:r>
+            <a:r>
+              <a:rPr lang="en-SG" sz="1300" dirty="0"/>
+              <a:t>department and look for Jamie Lawson at 451 76420 ext. 106, email: </a:t>
             </a:r>
             <a:r>
               <a:rPr lang="en-SG" sz="1300" dirty="0">
